--- a/presentation.pptx
+++ b/presentation.pptx
@@ -5,34 +5,35 @@
     <p:sldMasterId id="2147483657" r:id="rId1"/>
   </p:sldMasterIdLst>
   <p:notesMasterIdLst>
-    <p:notesMasterId r:id="rId10"/>
+    <p:notesMasterId r:id="rId11"/>
   </p:notesMasterIdLst>
   <p:sldIdLst>
     <p:sldId id="256" r:id="rId2"/>
-    <p:sldId id="284" r:id="rId3"/>
-    <p:sldId id="285" r:id="rId4"/>
-    <p:sldId id="290" r:id="rId5"/>
-    <p:sldId id="286" r:id="rId6"/>
-    <p:sldId id="287" r:id="rId7"/>
-    <p:sldId id="288" r:id="rId8"/>
-    <p:sldId id="289" r:id="rId9"/>
+    <p:sldId id="291" r:id="rId3"/>
+    <p:sldId id="284" r:id="rId4"/>
+    <p:sldId id="285" r:id="rId5"/>
+    <p:sldId id="290" r:id="rId6"/>
+    <p:sldId id="286" r:id="rId7"/>
+    <p:sldId id="287" r:id="rId8"/>
+    <p:sldId id="288" r:id="rId9"/>
+    <p:sldId id="289" r:id="rId10"/>
   </p:sldIdLst>
   <p:sldSz cx="9144000" cy="5143500" type="screen16x9"/>
   <p:notesSz cx="6858000" cy="9144000"/>
   <p:embeddedFontLst>
     <p:embeddedFont>
       <p:font typeface="Karla" panose="020B0604020202020204" charset="0"/>
-      <p:regular r:id="rId11"/>
-      <p:bold r:id="rId12"/>
-      <p:italic r:id="rId13"/>
-      <p:boldItalic r:id="rId14"/>
+      <p:regular r:id="rId12"/>
+      <p:bold r:id="rId13"/>
+      <p:italic r:id="rId14"/>
+      <p:boldItalic r:id="rId15"/>
     </p:embeddedFont>
     <p:embeddedFont>
-      <p:font typeface="Raleway" panose="020B0503030101060003" pitchFamily="34" charset="0"/>
-      <p:regular r:id="rId15"/>
-      <p:bold r:id="rId16"/>
-      <p:italic r:id="rId17"/>
-      <p:boldItalic r:id="rId18"/>
+      <p:font typeface="Raleway" panose="020B0604020202020204" charset="0"/>
+      <p:regular r:id="rId16"/>
+      <p:bold r:id="rId17"/>
+      <p:italic r:id="rId18"/>
+      <p:boldItalic r:id="rId19"/>
     </p:embeddedFont>
   </p:embeddedFontLst>
   <p:defaultTextStyle>
@@ -646,7 +647,15 @@
             </a:pPr>
             <a:r>
               <a:rPr lang="fr-CH" dirty="0"/>
-              <a:t>Présentation de mon analyse qui porte sur le thème de : La production et la consommation électrique dans les régions de France</a:t>
+              <a:t>Présentation de mon </a:t>
+            </a:r>
+            <a:r>
+              <a:rPr lang="fr-CH" smtClean="0"/>
+              <a:t>analyse descriptive </a:t>
+            </a:r>
+            <a:r>
+              <a:rPr lang="fr-CH" dirty="0"/>
+              <a:t>qui porte sur le thème de : La production et la consommation électrique dans les régions de France</a:t>
             </a:r>
           </a:p>
           <a:p>
@@ -744,11 +753,11 @@
 </file>
 
 <file path=ppt/notesSlides/notesSlide2.xml><?xml version="1.0" encoding="utf-8"?>
-<p:notes xmlns:a="http://schemas.openxmlformats.org/drawingml/2006/main" xmlns:r="http://schemas.openxmlformats.org/officeDocument/2006/relationships" xmlns:p="http://schemas.openxmlformats.org/presentationml/2006/main">
+<p:notes xmlns:a="http://schemas.openxmlformats.org/drawingml/2006/main" xmlns:r="http://schemas.openxmlformats.org/officeDocument/2006/relationships" xmlns:p="http://schemas.openxmlformats.org/presentationml/2006/main" showMasterSp="0" showMasterPhAnim="0">
   <p:cSld>
     <p:spTree>
       <p:nvGrpSpPr>
-        <p:cNvPr id="1" name=""/>
+        <p:cNvPr id="1" name="Shape 83"/>
         <p:cNvGrpSpPr/>
         <p:nvPr/>
       </p:nvGrpSpPr>
@@ -762,12 +771,12 @@
       </p:grpSpPr>
       <p:sp>
         <p:nvSpPr>
-          <p:cNvPr id="2" name="Espace réservé de l'image des diapositives 1"/>
+          <p:cNvPr id="84" name="Shape 84"/>
           <p:cNvSpPr>
             <a:spLocks noGrp="1" noRot="1" noChangeAspect="1"/>
           </p:cNvSpPr>
           <p:nvPr>
-            <p:ph type="sldImg"/>
+            <p:ph type="sldImg" idx="2"/>
           </p:nvPr>
         </p:nvSpPr>
         <p:spPr>
@@ -775,61 +784,170 @@
             <a:off x="381000" y="685800"/>
             <a:ext cx="6096000" cy="3429000"/>
           </a:xfrm>
+          <a:custGeom>
+            <a:avLst/>
+            <a:gdLst/>
+            <a:ahLst/>
+            <a:cxnLst/>
+            <a:rect l="0" t="0" r="0" b="0"/>
+            <a:pathLst>
+              <a:path w="120000" h="120000" extrusionOk="0">
+                <a:moveTo>
+                  <a:pt x="0" y="0"/>
+                </a:moveTo>
+                <a:lnTo>
+                  <a:pt x="120000" y="0"/>
+                </a:lnTo>
+                <a:lnTo>
+                  <a:pt x="120000" y="120000"/>
+                </a:lnTo>
+                <a:lnTo>
+                  <a:pt x="0" y="120000"/>
+                </a:lnTo>
+                <a:close/>
+              </a:path>
+            </a:pathLst>
+          </a:custGeom>
         </p:spPr>
       </p:sp>
       <p:sp>
         <p:nvSpPr>
-          <p:cNvPr id="3" name="Espace réservé des notes 2"/>
-          <p:cNvSpPr>
+          <p:cNvPr id="85" name="Shape 85"/>
+          <p:cNvSpPr txBox="1">
             <a:spLocks noGrp="1"/>
           </p:cNvSpPr>
           <p:nvPr>
             <p:ph type="body" idx="1"/>
           </p:nvPr>
         </p:nvSpPr>
-        <p:spPr/>
+        <p:spPr>
+          <a:xfrm>
+            <a:off x="685800" y="4343400"/>
+            <a:ext cx="5486400" cy="4114800"/>
+          </a:xfrm>
+          <a:prstGeom prst="rect">
+            <a:avLst/>
+          </a:prstGeom>
+        </p:spPr>
         <p:txBody>
-          <a:bodyPr/>
+          <a:bodyPr spcFirstLastPara="1" wrap="square" lIns="91425" tIns="91425" rIns="91425" bIns="91425" anchor="t" anchorCtr="0">
+            <a:noAutofit/>
+          </a:bodyPr>
           <a:lstStyle/>
           <a:p>
+            <a:pPr marL="171450" lvl="0" indent="-171450">
+              <a:spcBef>
+                <a:spcPts val="0"/>
+              </a:spcBef>
+              <a:spcAft>
+                <a:spcPts val="0"/>
+              </a:spcAft>
+              <a:buFontTx/>
+              <a:buChar char="-"/>
+            </a:pPr>
             <a:r>
               <a:rPr lang="fr-CH" dirty="0"/>
-              <a:t>Mes jeux de données ont pu être récupérer via des sources open data, donc entièrement libre.</a:t>
-            </a:r>
-          </a:p>
-          <a:p>
+              <a:t>Présentation de mon </a:t>
+            </a:r>
+            <a:r>
+              <a:rPr lang="fr-CH" smtClean="0"/>
+              <a:t>analyse descriptive </a:t>
+            </a:r>
             <a:r>
               <a:rPr lang="fr-CH" dirty="0"/>
-              <a:t>Plus précisément des sources provenant de l’opérateur RTE (réseau de transport de l’électricité) en France</a:t>
-            </a:r>
-          </a:p>
-          <a:p>
+              <a:t>qui porte sur le thème de : La production et la consommation électrique dans les régions de France</a:t>
+            </a:r>
+          </a:p>
+          <a:p>
+            <a:pPr marL="171450" lvl="0" indent="-171450">
+              <a:spcBef>
+                <a:spcPts val="0"/>
+              </a:spcBef>
+              <a:spcAft>
+                <a:spcPts val="0"/>
+              </a:spcAft>
+              <a:buFontTx/>
+              <a:buChar char="-"/>
+            </a:pPr>
+            <a:r>
+              <a:rPr lang="fr-CH" dirty="0"/>
+              <a:t>En partant de ce thème je vais pouvoir répondre à plusieurs questions qui m’ont été posées</a:t>
+            </a:r>
+          </a:p>
+          <a:p>
+            <a:pPr marL="171450" lvl="0" indent="-171450">
+              <a:spcBef>
+                <a:spcPts val="0"/>
+              </a:spcBef>
+              <a:spcAft>
+                <a:spcPts val="0"/>
+              </a:spcAft>
+              <a:buFontTx/>
+              <a:buChar char="-"/>
+            </a:pPr>
             <a:endParaRPr lang="fr-CH" dirty="0"/>
           </a:p>
           <a:p>
             <a:r>
-              <a:rPr lang="fr-CH" dirty="0"/>
-              <a:t>C’est une entreprise de service qui gère le réseau public de transport d’électricité haute tension en France</a:t>
-            </a:r>
-          </a:p>
-          <a:p>
-            <a:r>
-              <a:rPr lang="fr-CH" dirty="0"/>
-              <a:t>Et cette société est activement présente dans le monde de l’open data</a:t>
-            </a:r>
-          </a:p>
-          <a:p>
-            <a:endParaRPr lang="fr-CH" dirty="0"/>
-          </a:p>
-          <a:p>
-            <a:endParaRPr lang="fr-CH" dirty="0"/>
+              <a:rPr lang="fr-CH" sz="1100" b="0" i="0" kern="1200" dirty="0">
+                <a:solidFill>
+                  <a:schemeClr val="tx1"/>
+                </a:solidFill>
+                <a:effectLst/>
+                <a:latin typeface="+mn-lt"/>
+                <a:ea typeface="+mn-ea"/>
+                <a:cs typeface="+mn-cs"/>
+              </a:rPr>
+              <a:t>Chaque région peut-elle être autonome au niveau de l'électricité ?</a:t>
+            </a:r>
+          </a:p>
+          <a:p>
+            <a:r>
+              <a:rPr lang="fr-CH" sz="1100" b="0" i="0" kern="1200" dirty="0">
+                <a:solidFill>
+                  <a:schemeClr val="tx1"/>
+                </a:solidFill>
+                <a:effectLst/>
+                <a:latin typeface="+mn-lt"/>
+                <a:ea typeface="+mn-ea"/>
+                <a:cs typeface="+mn-cs"/>
+              </a:rPr>
+              <a:t>Les régions qui produisent le plus sont-elles également celles qui consomment le plus ?</a:t>
+            </a:r>
+          </a:p>
+          <a:p>
+            <a:r>
+              <a:rPr lang="fr-CH" sz="1100" b="0" i="0" kern="1200" dirty="0">
+                <a:solidFill>
+                  <a:schemeClr val="tx1"/>
+                </a:solidFill>
+                <a:effectLst/>
+                <a:latin typeface="+mn-lt"/>
+                <a:ea typeface="+mn-ea"/>
+                <a:cs typeface="+mn-cs"/>
+              </a:rPr>
+              <a:t>La production d'électricité vient-elle en majorité d'une même source d'énergie ?</a:t>
+            </a:r>
+          </a:p>
+          <a:p>
+            <a:pPr marL="0" lvl="0" indent="0">
+              <a:spcBef>
+                <a:spcPts val="0"/>
+              </a:spcBef>
+              <a:spcAft>
+                <a:spcPts val="0"/>
+              </a:spcAft>
+              <a:buFontTx/>
+              <a:buNone/>
+            </a:pPr>
+            <a:endParaRPr dirty="0"/>
           </a:p>
         </p:txBody>
       </p:sp>
     </p:spTree>
     <p:extLst>
       <p:ext uri="{BB962C8B-B14F-4D97-AF65-F5344CB8AC3E}">
-        <p14:creationId xmlns:p14="http://schemas.microsoft.com/office/powerpoint/2010/main" val="3768014385"/>
+        <p14:creationId xmlns:p14="http://schemas.microsoft.com/office/powerpoint/2010/main" val="1275598544"/>
       </p:ext>
     </p:extLst>
   </p:cSld>
@@ -890,13 +1008,13 @@
           <a:p>
             <a:r>
               <a:rPr lang="fr-CH" dirty="0"/>
-              <a:t>Je vais vous présenter le premier graphique qui représente la consommation et la production totale d’électricité en GWh par régions de France.</a:t>
+              <a:t>Mes jeux de données ont pu être récupérer via des sources open data, donc entièrement libre.</a:t>
             </a:r>
           </a:p>
           <a:p>
             <a:r>
               <a:rPr lang="fr-CH" dirty="0"/>
-              <a:t>Trie par consommation</a:t>
+              <a:t>Plus précisément des sources provenant de l’opérateur RTE (réseau de transport de l’électricité) en France</a:t>
             </a:r>
           </a:p>
           <a:p>
@@ -905,29 +1023,27 @@
           <a:p>
             <a:r>
               <a:rPr lang="fr-CH" dirty="0"/>
-              <a:t>On peut rapidement voir que toutes les régions ne pourraient pas subvenir à leur consommation.</a:t>
+              <a:t>C’est une entreprise de service qui gère le réseau public de transport d’électricité haute tension en France</a:t>
             </a:r>
           </a:p>
           <a:p>
             <a:r>
               <a:rPr lang="fr-CH" dirty="0"/>
-              <a:t>Il y a seulement 6 régions / 13 produisent plus que ce qu’elle consomme. (production </a:t>
-            </a:r>
-            <a:r>
-              <a:rPr lang="fr-CH" dirty="0" err="1"/>
-              <a:t>envert</a:t>
-            </a:r>
-            <a:r>
-              <a:rPr lang="fr-CH" dirty="0"/>
-              <a:t> plus grand que consommation en rouge</a:t>
-            </a:r>
+              <a:t>Et cette société est activement présente dans le monde de l’open data</a:t>
+            </a:r>
+          </a:p>
+          <a:p>
+            <a:endParaRPr lang="fr-CH" dirty="0"/>
+          </a:p>
+          <a:p>
+            <a:endParaRPr lang="fr-CH" dirty="0"/>
           </a:p>
         </p:txBody>
       </p:sp>
     </p:spTree>
     <p:extLst>
       <p:ext uri="{BB962C8B-B14F-4D97-AF65-F5344CB8AC3E}">
-        <p14:creationId xmlns:p14="http://schemas.microsoft.com/office/powerpoint/2010/main" val="3473142746"/>
+        <p14:creationId xmlns:p14="http://schemas.microsoft.com/office/powerpoint/2010/main" val="3768014385"/>
       </p:ext>
     </p:extLst>
   </p:cSld>
@@ -988,24 +1104,13 @@
           <a:p>
             <a:r>
               <a:rPr lang="fr-CH" dirty="0"/>
-              <a:t>Je vais garder le même graphique pour pouvoir répondre à la deuxième question </a:t>
-            </a:r>
-          </a:p>
-          <a:p>
-            <a:pPr marL="139700" indent="0">
-              <a:buNone/>
-            </a:pPr>
-            <a:r>
-              <a:rPr lang="fr-CH" sz="1100" b="0" i="0" kern="1200" dirty="0">
-                <a:solidFill>
-                  <a:schemeClr val="tx1"/>
-                </a:solidFill>
-                <a:effectLst/>
-                <a:latin typeface="+mn-lt"/>
-                <a:ea typeface="+mn-ea"/>
-                <a:cs typeface="+mn-cs"/>
-              </a:rPr>
-              <a:t>- Les régions qui produisent le plus sont-elles également celles qui consomment le plus ?</a:t>
+              <a:t>Je vais vous présenter le premier graphique qui représente la consommation et la production totale d’électricité en GWh par régions de France.</a:t>
+            </a:r>
+          </a:p>
+          <a:p>
+            <a:r>
+              <a:rPr lang="fr-CH" dirty="0"/>
+              <a:t>Trie par consommation</a:t>
             </a:r>
           </a:p>
           <a:p>
@@ -1014,27 +1119,29 @@
           <a:p>
             <a:r>
               <a:rPr lang="fr-CH" dirty="0"/>
-              <a:t>On peut voir que la réponse est non.</a:t>
-            </a:r>
-          </a:p>
-          <a:p>
-            <a:endParaRPr lang="fr-CH" dirty="0"/>
+              <a:t>On peut rapidement voir que toutes les régions ne pourraient pas subvenir à leur consommation.</a:t>
+            </a:r>
           </a:p>
           <a:p>
             <a:r>
               <a:rPr lang="fr-CH" dirty="0"/>
-              <a:t>Prenons en comparaison l’île de France et le centre val de Loire.</a:t>
-            </a:r>
-          </a:p>
-          <a:p>
-            <a:endParaRPr lang="fr-CH" dirty="0"/>
+              <a:t>Il y a seulement 6 régions / 13 produisent plus que ce qu’elle consomme. (production </a:t>
+            </a:r>
+            <a:r>
+              <a:rPr lang="fr-CH" dirty="0" err="1"/>
+              <a:t>envert</a:t>
+            </a:r>
+            <a:r>
+              <a:rPr lang="fr-CH" dirty="0"/>
+              <a:t> plus grand que consommation en rouge</a:t>
+            </a:r>
           </a:p>
         </p:txBody>
       </p:sp>
     </p:spTree>
     <p:extLst>
       <p:ext uri="{BB962C8B-B14F-4D97-AF65-F5344CB8AC3E}">
-        <p14:creationId xmlns:p14="http://schemas.microsoft.com/office/powerpoint/2010/main" val="1909119616"/>
+        <p14:creationId xmlns:p14="http://schemas.microsoft.com/office/powerpoint/2010/main" val="3473142746"/>
       </p:ext>
     </p:extLst>
   </p:cSld>
@@ -1095,7 +1202,24 @@
           <a:p>
             <a:r>
               <a:rPr lang="fr-CH" dirty="0"/>
-              <a:t>Vous pouvez voir une colonne de plus au graphique, qui est la production provenant du nucléaire</a:t>
+              <a:t>Je vais garder le même graphique pour pouvoir répondre à la deuxième question </a:t>
+            </a:r>
+          </a:p>
+          <a:p>
+            <a:pPr marL="139700" indent="0">
+              <a:buNone/>
+            </a:pPr>
+            <a:r>
+              <a:rPr lang="fr-CH" sz="1100" b="0" i="0" kern="1200" dirty="0">
+                <a:solidFill>
+                  <a:schemeClr val="tx1"/>
+                </a:solidFill>
+                <a:effectLst/>
+                <a:latin typeface="+mn-lt"/>
+                <a:ea typeface="+mn-ea"/>
+                <a:cs typeface="+mn-cs"/>
+              </a:rPr>
+              <a:t>- Les régions qui produisent le plus sont-elles également celles qui consomment le plus ?</a:t>
             </a:r>
           </a:p>
           <a:p>
@@ -1104,7 +1228,7 @@
           <a:p>
             <a:r>
               <a:rPr lang="fr-CH" dirty="0"/>
-              <a:t>Ce graphique est très intéressant car on peut voir que toutes les régions qui produisent beaucoup d’électricité, utilise l’énergie nucléaire</a:t>
+              <a:t>On peut voir que la réponse est non.</a:t>
             </a:r>
           </a:p>
           <a:p>
@@ -1113,23 +1237,18 @@
           <a:p>
             <a:r>
               <a:rPr lang="fr-CH" dirty="0"/>
-              <a:t>Si l’on reprend notre dernière question, on peut en déduire que la production d’électricité en France </a:t>
-            </a:r>
-            <a:r>
-              <a:rPr lang="fr-CH" dirty="0" err="1"/>
-              <a:t>dépent</a:t>
-            </a:r>
-            <a:r>
-              <a:rPr lang="fr-CH" dirty="0"/>
-              <a:t> énormément de l’énergie nucléaire.</a:t>
-            </a:r>
+              <a:t>Prenons en comparaison l’île de France et le centre val de Loire.</a:t>
+            </a:r>
+          </a:p>
+          <a:p>
+            <a:endParaRPr lang="fr-CH" dirty="0"/>
           </a:p>
         </p:txBody>
       </p:sp>
     </p:spTree>
     <p:extLst>
       <p:ext uri="{BB962C8B-B14F-4D97-AF65-F5344CB8AC3E}">
-        <p14:creationId xmlns:p14="http://schemas.microsoft.com/office/powerpoint/2010/main" val="614968605"/>
+        <p14:creationId xmlns:p14="http://schemas.microsoft.com/office/powerpoint/2010/main" val="1909119616"/>
       </p:ext>
     </p:extLst>
   </p:cSld>
@@ -1190,42 +1309,33 @@
           <a:p>
             <a:r>
               <a:rPr lang="fr-CH" dirty="0"/>
-              <a:t>Voici cette-fois un graphique en aire, qui représente exactement les même données de production et de consommation, mais qui est moins intuitif.</a:t>
-            </a:r>
+              <a:t>Vous pouvez voir une colonne de plus au graphique, qui est la production provenant du nucléaire</a:t>
+            </a:r>
+          </a:p>
+          <a:p>
+            <a:endParaRPr lang="fr-CH" dirty="0"/>
           </a:p>
           <a:p>
             <a:r>
               <a:rPr lang="fr-CH" dirty="0"/>
-              <a:t>Prenons par exemple la région auvergne </a:t>
+              <a:t>Ce graphique est très intéressant car on peut voir que toutes les régions qui produisent beaucoup d’électricité, utilise l’énergie nucléaire</a:t>
+            </a:r>
+          </a:p>
+          <a:p>
+            <a:endParaRPr lang="fr-CH" dirty="0"/>
+          </a:p>
+          <a:p>
+            <a:r>
+              <a:rPr lang="fr-CH" dirty="0"/>
+              <a:t>Si l’on reprend notre dernière question, on peut en déduire que la production d’électricité en France </a:t>
             </a:r>
             <a:r>
               <a:rPr lang="fr-CH" dirty="0" err="1"/>
-              <a:t>rhone</a:t>
+              <a:t>dépent</a:t>
             </a:r>
             <a:r>
               <a:rPr lang="fr-CH" dirty="0"/>
-              <a:t> alpes.</a:t>
-            </a:r>
-          </a:p>
-          <a:p>
-            <a:endParaRPr lang="fr-CH" dirty="0"/>
-          </a:p>
-          <a:p>
-            <a:r>
-              <a:rPr lang="fr-CH" dirty="0"/>
-              <a:t>Au premier coup d’œil je me dis qu’elle produit environ 170 000 GWh et qu’elle en consomme environ 60 000.</a:t>
-            </a:r>
-          </a:p>
-          <a:p>
-            <a:r>
-              <a:rPr lang="fr-CH" dirty="0"/>
-              <a:t>C’est un résonnement faux, car les aires sont «empilé» pour atteindre un total de 170 000.</a:t>
-            </a:r>
-          </a:p>
-          <a:p>
-            <a:r>
-              <a:rPr lang="fr-CH" dirty="0"/>
-              <a:t>Il faut donc prendre pour la consommation de la à la et la production de la a la</a:t>
+              <a:t> énormément de l’énergie nucléaire.</a:t>
             </a:r>
           </a:p>
         </p:txBody>
@@ -1233,7 +1343,7 @@
     </p:spTree>
     <p:extLst>
       <p:ext uri="{BB962C8B-B14F-4D97-AF65-F5344CB8AC3E}">
-        <p14:creationId xmlns:p14="http://schemas.microsoft.com/office/powerpoint/2010/main" val="3172090571"/>
+        <p14:creationId xmlns:p14="http://schemas.microsoft.com/office/powerpoint/2010/main" val="614968605"/>
       </p:ext>
     </p:extLst>
   </p:cSld>
@@ -1294,6 +1404,110 @@
           <a:p>
             <a:r>
               <a:rPr lang="fr-CH" dirty="0"/>
+              <a:t>Voici cette-fois un graphique en aire, qui représente exactement les même données de production et de consommation, mais qui est moins intuitif.</a:t>
+            </a:r>
+          </a:p>
+          <a:p>
+            <a:r>
+              <a:rPr lang="fr-CH" dirty="0"/>
+              <a:t>Prenons par exemple la région auvergne </a:t>
+            </a:r>
+            <a:r>
+              <a:rPr lang="fr-CH" dirty="0" err="1"/>
+              <a:t>rhone</a:t>
+            </a:r>
+            <a:r>
+              <a:rPr lang="fr-CH" dirty="0"/>
+              <a:t> alpes.</a:t>
+            </a:r>
+          </a:p>
+          <a:p>
+            <a:endParaRPr lang="fr-CH" dirty="0"/>
+          </a:p>
+          <a:p>
+            <a:r>
+              <a:rPr lang="fr-CH" dirty="0"/>
+              <a:t>Au premier coup d’œil je me dis qu’elle produit environ 170 000 GWh et qu’elle en consomme environ 60 000.</a:t>
+            </a:r>
+          </a:p>
+          <a:p>
+            <a:r>
+              <a:rPr lang="fr-CH" dirty="0"/>
+              <a:t>C’est un résonnement faux, car les aires sont «empilé» pour atteindre un total de 170 000.</a:t>
+            </a:r>
+          </a:p>
+          <a:p>
+            <a:r>
+              <a:rPr lang="fr-CH" dirty="0"/>
+              <a:t>Il faut donc prendre pour la consommation de la à la et la production de la a la</a:t>
+            </a:r>
+          </a:p>
+        </p:txBody>
+      </p:sp>
+    </p:spTree>
+    <p:extLst>
+      <p:ext uri="{BB962C8B-B14F-4D97-AF65-F5344CB8AC3E}">
+        <p14:creationId xmlns:p14="http://schemas.microsoft.com/office/powerpoint/2010/main" val="3172090571"/>
+      </p:ext>
+    </p:extLst>
+  </p:cSld>
+  <p:clrMapOvr>
+    <a:masterClrMapping/>
+  </p:clrMapOvr>
+</p:notes>
+</file>
+
+<file path=ppt/notesSlides/notesSlide8.xml><?xml version="1.0" encoding="utf-8"?>
+<p:notes xmlns:a="http://schemas.openxmlformats.org/drawingml/2006/main" xmlns:r="http://schemas.openxmlformats.org/officeDocument/2006/relationships" xmlns:p="http://schemas.openxmlformats.org/presentationml/2006/main">
+  <p:cSld>
+    <p:spTree>
+      <p:nvGrpSpPr>
+        <p:cNvPr id="1" name=""/>
+        <p:cNvGrpSpPr/>
+        <p:nvPr/>
+      </p:nvGrpSpPr>
+      <p:grpSpPr>
+        <a:xfrm>
+          <a:off x="0" y="0"/>
+          <a:ext cx="0" cy="0"/>
+          <a:chOff x="0" y="0"/>
+          <a:chExt cx="0" cy="0"/>
+        </a:xfrm>
+      </p:grpSpPr>
+      <p:sp>
+        <p:nvSpPr>
+          <p:cNvPr id="2" name="Espace réservé de l'image des diapositives 1"/>
+          <p:cNvSpPr>
+            <a:spLocks noGrp="1" noRot="1" noChangeAspect="1"/>
+          </p:cNvSpPr>
+          <p:nvPr>
+            <p:ph type="sldImg"/>
+          </p:nvPr>
+        </p:nvSpPr>
+        <p:spPr>
+          <a:xfrm>
+            <a:off x="381000" y="685800"/>
+            <a:ext cx="6096000" cy="3429000"/>
+          </a:xfrm>
+        </p:spPr>
+      </p:sp>
+      <p:sp>
+        <p:nvSpPr>
+          <p:cNvPr id="3" name="Espace réservé des notes 2"/>
+          <p:cNvSpPr>
+            <a:spLocks noGrp="1"/>
+          </p:cNvSpPr>
+          <p:nvPr>
+            <p:ph type="body" idx="1"/>
+          </p:nvPr>
+        </p:nvSpPr>
+        <p:spPr/>
+        <p:txBody>
+          <a:bodyPr/>
+          <a:lstStyle/>
+          <a:p>
+            <a:r>
+              <a:rPr lang="fr-CH" dirty="0"/>
               <a:t>En conclusion, grâce à cette analyse, nous avons pu répondre à toutes les questions posées</a:t>
             </a:r>
           </a:p>
@@ -1348,7 +1562,7 @@
 </p:notes>
 </file>
 
-<file path=ppt/notesSlides/notesSlide8.xml><?xml version="1.0" encoding="utf-8"?>
+<file path=ppt/notesSlides/notesSlide9.xml><?xml version="1.0" encoding="utf-8"?>
 <p:notes xmlns:a="http://schemas.openxmlformats.org/drawingml/2006/main" xmlns:r="http://schemas.openxmlformats.org/officeDocument/2006/relationships" xmlns:p="http://schemas.openxmlformats.org/presentationml/2006/main">
   <p:cSld>
     <p:spTree>
@@ -3595,9 +3809,177 @@
               </a:spcAft>
               <a:buNone/>
             </a:pPr>
+            <a:endParaRPr dirty="0"/>
+          </a:p>
+        </p:txBody>
+      </p:sp>
+      <p:sp>
+        <p:nvSpPr>
+          <p:cNvPr id="3" name="Rectangle 2"/>
+          <p:cNvSpPr/>
+          <p:nvPr/>
+        </p:nvSpPr>
+        <p:spPr>
+          <a:xfrm>
+            <a:off x="-1" y="0"/>
+            <a:ext cx="9144001" cy="5143500"/>
+          </a:xfrm>
+          <a:prstGeom prst="rect">
+            <a:avLst/>
+          </a:prstGeom>
+        </p:spPr>
+        <p:style>
+          <a:lnRef idx="2">
+            <a:schemeClr val="dk1">
+              <a:shade val="50000"/>
+            </a:schemeClr>
+          </a:lnRef>
+          <a:fillRef idx="1">
+            <a:schemeClr val="dk1"/>
+          </a:fillRef>
+          <a:effectRef idx="0">
+            <a:schemeClr val="dk1"/>
+          </a:effectRef>
+          <a:fontRef idx="minor">
+            <a:schemeClr val="lt1"/>
+          </a:fontRef>
+        </p:style>
+        <p:txBody>
+          <a:bodyPr rtlCol="0" anchor="ctr"/>
+          <a:lstStyle/>
+          <a:p>
+            <a:pPr algn="ctr"/>
+            <a:endParaRPr lang="fr-CH"/>
+          </a:p>
+        </p:txBody>
+      </p:sp>
+      <p:sp>
+        <p:nvSpPr>
+          <p:cNvPr id="4" name="Rectangle 3"/>
+          <p:cNvSpPr/>
+          <p:nvPr/>
+        </p:nvSpPr>
+        <p:spPr>
+          <a:xfrm>
+            <a:off x="8821270" y="4853354"/>
+            <a:ext cx="215153" cy="219808"/>
+          </a:xfrm>
+          <a:prstGeom prst="rect">
+            <a:avLst/>
+          </a:prstGeom>
+          <a:solidFill>
+            <a:schemeClr val="bg1"/>
+          </a:solidFill>
+          <a:ln>
+            <a:noFill/>
+          </a:ln>
+        </p:spPr>
+        <p:style>
+          <a:lnRef idx="2">
+            <a:schemeClr val="accent1">
+              <a:shade val="50000"/>
+            </a:schemeClr>
+          </a:lnRef>
+          <a:fillRef idx="1">
+            <a:schemeClr val="accent1"/>
+          </a:fillRef>
+          <a:effectRef idx="0">
+            <a:schemeClr val="accent1"/>
+          </a:effectRef>
+          <a:fontRef idx="minor">
+            <a:schemeClr val="lt1"/>
+          </a:fontRef>
+        </p:style>
+        <p:txBody>
+          <a:bodyPr rtlCol="0" anchor="ctr"/>
+          <a:lstStyle/>
+          <a:p>
+            <a:pPr algn="ctr"/>
+            <a:endParaRPr lang="fr-CH"/>
+          </a:p>
+        </p:txBody>
+      </p:sp>
+    </p:spTree>
+  </p:cSld>
+  <p:clrMapOvr>
+    <a:masterClrMapping/>
+  </p:clrMapOvr>
+  <mc:AlternateContent xmlns:mc="http://schemas.openxmlformats.org/markup-compatibility/2006">
+    <mc:Choice xmlns:p14="http://schemas.microsoft.com/office/powerpoint/2010/main" Requires="p14">
+      <p:transition p14:dur="250"/>
+    </mc:Choice>
+    <mc:Fallback>
+      <p:transition/>
+    </mc:Fallback>
+  </mc:AlternateContent>
+  <p:timing>
+    <p:tnLst>
+      <p:par>
+        <p:cTn id="1" dur="indefinite" restart="never" nodeType="tmRoot"/>
+      </p:par>
+    </p:tnLst>
+  </p:timing>
+</p:sld>
+</file>
+
+<file path=ppt/slides/slide2.xml><?xml version="1.0" encoding="utf-8"?>
+<p:sld xmlns:a="http://schemas.openxmlformats.org/drawingml/2006/main" xmlns:r="http://schemas.openxmlformats.org/officeDocument/2006/relationships" xmlns:p="http://schemas.openxmlformats.org/presentationml/2006/main">
+  <p:cSld>
+    <p:spTree>
+      <p:nvGrpSpPr>
+        <p:cNvPr id="1" name="Shape 86"/>
+        <p:cNvGrpSpPr/>
+        <p:nvPr/>
+      </p:nvGrpSpPr>
+      <p:grpSpPr>
+        <a:xfrm>
+          <a:off x="0" y="0"/>
+          <a:ext cx="0" cy="0"/>
+          <a:chOff x="0" y="0"/>
+          <a:chExt cx="0" cy="0"/>
+        </a:xfrm>
+      </p:grpSpPr>
+      <p:sp>
+        <p:nvSpPr>
+          <p:cNvPr id="87" name="Shape 87"/>
+          <p:cNvSpPr txBox="1">
+            <a:spLocks noGrp="1"/>
+          </p:cNvSpPr>
+          <p:nvPr>
+            <p:ph type="ctrTitle"/>
+          </p:nvPr>
+        </p:nvSpPr>
+        <p:spPr>
+          <a:xfrm>
+            <a:off x="228601" y="1339643"/>
+            <a:ext cx="8700246" cy="1159800"/>
+          </a:xfrm>
+          <a:prstGeom prst="rect">
+            <a:avLst/>
+          </a:prstGeom>
+        </p:spPr>
+        <p:txBody>
+          <a:bodyPr spcFirstLastPara="1" wrap="square" lIns="91425" tIns="91425" rIns="91425" bIns="91425" anchor="ctr" anchorCtr="0">
+            <a:noAutofit/>
+          </a:bodyPr>
+          <a:lstStyle/>
+          <a:p>
+            <a:pPr marL="0" lvl="0" indent="0">
+              <a:spcBef>
+                <a:spcPts val="0"/>
+              </a:spcBef>
+              <a:spcAft>
+                <a:spcPts val="0"/>
+              </a:spcAft>
+              <a:buNone/>
+            </a:pPr>
             <a:r>
               <a:rPr lang="fr-CH" dirty="0"/>
-              <a:t>Analyse de données</a:t>
+              <a:t>Analyse </a:t>
+            </a:r>
+            <a:r>
+              <a:rPr lang="fr-CH" dirty="0" smtClean="0"/>
+              <a:t>descriptive</a:t>
             </a:r>
             <a:endParaRPr dirty="0"/>
           </a:p>
@@ -3657,6 +4039,11 @@
         </p:txBody>
       </p:sp>
     </p:spTree>
+    <p:extLst>
+      <p:ext uri="{BB962C8B-B14F-4D97-AF65-F5344CB8AC3E}">
+        <p14:creationId xmlns:p14="http://schemas.microsoft.com/office/powerpoint/2010/main" val="3506905015"/>
+      </p:ext>
+    </p:extLst>
   </p:cSld>
   <p:clrMapOvr>
     <a:masterClrMapping/>
@@ -3669,10 +4056,17 @@
       <p:transition advTm="30000"/>
     </mc:Fallback>
   </mc:AlternateContent>
+  <p:timing>
+    <p:tnLst>
+      <p:par>
+        <p:cTn id="1" dur="indefinite" restart="never" nodeType="tmRoot"/>
+      </p:par>
+    </p:tnLst>
+  </p:timing>
 </p:sld>
 </file>
 
-<file path=ppt/slides/slide2.xml><?xml version="1.0" encoding="utf-8"?>
+<file path=ppt/slides/slide3.xml><?xml version="1.0" encoding="utf-8"?>
 <p:sld xmlns:a="http://schemas.openxmlformats.org/drawingml/2006/main" xmlns:r="http://schemas.openxmlformats.org/officeDocument/2006/relationships" xmlns:p="http://schemas.openxmlformats.org/presentationml/2006/main">
   <p:cSld>
     <p:spTree>
@@ -3880,10 +4274,17 @@
       <p:transition advTm="30000"/>
     </mc:Fallback>
   </mc:AlternateContent>
+  <p:timing>
+    <p:tnLst>
+      <p:par>
+        <p:cTn id="1" dur="indefinite" restart="never" nodeType="tmRoot"/>
+      </p:par>
+    </p:tnLst>
+  </p:timing>
 </p:sld>
 </file>
 
-<file path=ppt/slides/slide3.xml><?xml version="1.0" encoding="utf-8"?>
+<file path=ppt/slides/slide4.xml><?xml version="1.0" encoding="utf-8"?>
 <p:sld xmlns:a="http://schemas.openxmlformats.org/drawingml/2006/main" xmlns:r="http://schemas.openxmlformats.org/officeDocument/2006/relationships" xmlns:p="http://schemas.openxmlformats.org/presentationml/2006/main">
   <p:cSld>
     <p:spTree>
@@ -3990,10 +4391,17 @@
       <p:transition advTm="30000"/>
     </mc:Fallback>
   </mc:AlternateContent>
+  <p:timing>
+    <p:tnLst>
+      <p:par>
+        <p:cTn id="1" dur="indefinite" restart="never" nodeType="tmRoot"/>
+      </p:par>
+    </p:tnLst>
+  </p:timing>
 </p:sld>
 </file>
 
-<file path=ppt/slides/slide4.xml><?xml version="1.0" encoding="utf-8"?>
+<file path=ppt/slides/slide5.xml><?xml version="1.0" encoding="utf-8"?>
 <p:sld xmlns:a="http://schemas.openxmlformats.org/drawingml/2006/main" xmlns:r="http://schemas.openxmlformats.org/officeDocument/2006/relationships" xmlns:p="http://schemas.openxmlformats.org/presentationml/2006/main">
   <p:cSld>
     <p:spTree>
@@ -4100,10 +4508,17 @@
       <p:transition advTm="30000"/>
     </mc:Fallback>
   </mc:AlternateContent>
+  <p:timing>
+    <p:tnLst>
+      <p:par>
+        <p:cTn id="1" dur="indefinite" restart="never" nodeType="tmRoot"/>
+      </p:par>
+    </p:tnLst>
+  </p:timing>
 </p:sld>
 </file>
 
-<file path=ppt/slides/slide5.xml><?xml version="1.0" encoding="utf-8"?>
+<file path=ppt/slides/slide6.xml><?xml version="1.0" encoding="utf-8"?>
 <p:sld xmlns:a="http://schemas.openxmlformats.org/drawingml/2006/main" xmlns:r="http://schemas.openxmlformats.org/officeDocument/2006/relationships" xmlns:p="http://schemas.openxmlformats.org/presentationml/2006/main">
   <p:cSld>
     <p:spTree>
@@ -4255,10 +4670,17 @@
       <p:transition advTm="30000"/>
     </mc:Fallback>
   </mc:AlternateContent>
+  <p:timing>
+    <p:tnLst>
+      <p:par>
+        <p:cTn id="1" dur="indefinite" restart="never" nodeType="tmRoot"/>
+      </p:par>
+    </p:tnLst>
+  </p:timing>
 </p:sld>
 </file>
 
-<file path=ppt/slides/slide6.xml><?xml version="1.0" encoding="utf-8"?>
+<file path=ppt/slides/slide7.xml><?xml version="1.0" encoding="utf-8"?>
 <p:sld xmlns:a="http://schemas.openxmlformats.org/drawingml/2006/main" xmlns:r="http://schemas.openxmlformats.org/officeDocument/2006/relationships" xmlns:p="http://schemas.openxmlformats.org/presentationml/2006/main">
   <p:cSld>
     <p:spTree>
@@ -4384,10 +4806,17 @@
       <p:transition advTm="30000"/>
     </mc:Fallback>
   </mc:AlternateContent>
+  <p:timing>
+    <p:tnLst>
+      <p:par>
+        <p:cTn id="1" dur="indefinite" restart="never" nodeType="tmRoot"/>
+      </p:par>
+    </p:tnLst>
+  </p:timing>
 </p:sld>
 </file>
 
-<file path=ppt/slides/slide7.xml><?xml version="1.0" encoding="utf-8"?>
+<file path=ppt/slides/slide8.xml><?xml version="1.0" encoding="utf-8"?>
 <p:sld xmlns:a="http://schemas.openxmlformats.org/drawingml/2006/main" xmlns:r="http://schemas.openxmlformats.org/officeDocument/2006/relationships" xmlns:p="http://schemas.openxmlformats.org/presentationml/2006/main">
   <p:cSld>
     <p:spTree>
@@ -4547,10 +4976,17 @@
       <p:transition advTm="30000"/>
     </mc:Fallback>
   </mc:AlternateContent>
+  <p:timing>
+    <p:tnLst>
+      <p:par>
+        <p:cTn id="1" dur="indefinite" restart="never" nodeType="tmRoot"/>
+      </p:par>
+    </p:tnLst>
+  </p:timing>
 </p:sld>
 </file>
 
-<file path=ppt/slides/slide8.xml><?xml version="1.0" encoding="utf-8"?>
+<file path=ppt/slides/slide9.xml><?xml version="1.0" encoding="utf-8"?>
 <p:sld xmlns:a="http://schemas.openxmlformats.org/drawingml/2006/main" xmlns:r="http://schemas.openxmlformats.org/officeDocument/2006/relationships" xmlns:p="http://schemas.openxmlformats.org/presentationml/2006/main">
   <p:cSld>
     <p:spTree>
@@ -4607,14 +5043,21 @@
   <p:clrMapOvr>
     <a:masterClrMapping/>
   </p:clrMapOvr>
-  <mc:AlternateContent xmlns:mc="http://schemas.openxmlformats.org/markup-compatibility/2006" xmlns:p14="http://schemas.microsoft.com/office/powerpoint/2010/main">
-    <mc:Choice Requires="p14">
-      <p:transition p14:dur="250" advTm="30000"/>
+  <mc:AlternateContent xmlns:mc="http://schemas.openxmlformats.org/markup-compatibility/2006">
+    <mc:Choice xmlns:p14="http://schemas.microsoft.com/office/powerpoint/2010/main" Requires="p14">
+      <p:transition p14:dur="250"/>
     </mc:Choice>
-    <mc:Fallback xmlns="">
-      <p:transition advTm="30000"/>
+    <mc:Fallback>
+      <p:transition/>
     </mc:Fallback>
   </mc:AlternateContent>
+  <p:timing>
+    <p:tnLst>
+      <p:par>
+        <p:cTn id="1" dur="indefinite" restart="never" nodeType="tmRoot"/>
+      </p:par>
+    </p:tnLst>
+  </p:timing>
 </p:sld>
 </file>
 

--- a/presentation.pptx
+++ b/presentation.pptx
@@ -3314,7 +3314,7 @@
       <p:transition advTm="30000"/>
     </mc:Fallback>
   </mc:AlternateContent>
-  <p:hf sldNum="0" hdr="0" ftr="0" dt="0"/>
+  <p:hf sldNum="0" hdr="0" dt="0"/>
   <p:txStyles>
     <p:titleStyle>
       <a:defPPr marR="0" lvl="0" algn="l" rtl="0">
@@ -3904,11 +3904,11 @@
   <p:clrMapOvr>
     <a:masterClrMapping/>
   </p:clrMapOvr>
-  <mc:AlternateContent xmlns:mc="http://schemas.openxmlformats.org/markup-compatibility/2006">
-    <mc:Choice xmlns:p14="http://schemas.microsoft.com/office/powerpoint/2010/main" Requires="p14">
+  <mc:AlternateContent xmlns:mc="http://schemas.openxmlformats.org/markup-compatibility/2006" xmlns:p14="http://schemas.microsoft.com/office/powerpoint/2010/main">
+    <mc:Choice Requires="p14">
       <p:transition p14:dur="250"/>
     </mc:Choice>
-    <mc:Fallback>
+    <mc:Fallback xmlns="">
       <p:transition/>
     </mc:Fallback>
   </mc:AlternateContent>
@@ -4035,6 +4035,44 @@
               </a:rPr>
               <a:t>dans les régions de France</a:t>
             </a:r>
+          </a:p>
+        </p:txBody>
+      </p:sp>
+      <p:sp>
+        <p:nvSpPr>
+          <p:cNvPr id="3" name="ZoneTexte 2"/>
+          <p:cNvSpPr txBox="1"/>
+          <p:nvPr/>
+        </p:nvSpPr>
+        <p:spPr>
+          <a:xfrm>
+            <a:off x="8859948" y="4835723"/>
+            <a:ext cx="284052" cy="307777"/>
+          </a:xfrm>
+          <a:prstGeom prst="rect">
+            <a:avLst/>
+          </a:prstGeom>
+          <a:noFill/>
+        </p:spPr>
+        <p:txBody>
+          <a:bodyPr wrap="none" rtlCol="0">
+            <a:spAutoFit/>
+          </a:bodyPr>
+          <a:lstStyle/>
+          <a:p>
+            <a:r>
+              <a:rPr lang="fr-CH" dirty="0" smtClean="0">
+                <a:solidFill>
+                  <a:schemeClr val="bg1"/>
+                </a:solidFill>
+              </a:rPr>
+              <a:t>1</a:t>
+            </a:r>
+            <a:endParaRPr lang="fr-CH" dirty="0">
+              <a:solidFill>
+                <a:schemeClr val="bg1"/>
+              </a:solidFill>
+            </a:endParaRPr>
           </a:p>
         </p:txBody>
       </p:sp>
@@ -4256,6 +4294,44 @@
           </a:prstGeom>
         </p:spPr>
       </p:pic>
+      <p:sp>
+        <p:nvSpPr>
+          <p:cNvPr id="6" name="ZoneTexte 5"/>
+          <p:cNvSpPr txBox="1"/>
+          <p:nvPr/>
+        </p:nvSpPr>
+        <p:spPr>
+          <a:xfrm>
+            <a:off x="8859948" y="4835723"/>
+            <a:ext cx="284052" cy="307777"/>
+          </a:xfrm>
+          <a:prstGeom prst="rect">
+            <a:avLst/>
+          </a:prstGeom>
+          <a:noFill/>
+        </p:spPr>
+        <p:txBody>
+          <a:bodyPr wrap="none" rtlCol="0">
+            <a:spAutoFit/>
+          </a:bodyPr>
+          <a:lstStyle/>
+          <a:p>
+            <a:r>
+              <a:rPr lang="fr-CH" dirty="0">
+                <a:solidFill>
+                  <a:schemeClr val="bg1"/>
+                </a:solidFill>
+              </a:rPr>
+              <a:t>2</a:t>
+            </a:r>
+            <a:endParaRPr lang="fr-CH" dirty="0">
+              <a:solidFill>
+                <a:schemeClr val="bg1"/>
+              </a:solidFill>
+            </a:endParaRPr>
+          </a:p>
+        </p:txBody>
+      </p:sp>
     </p:spTree>
     <p:extLst>
       <p:ext uri="{BB962C8B-B14F-4D97-AF65-F5344CB8AC3E}">
@@ -4373,6 +4449,44 @@
           </a:p>
         </p:txBody>
       </p:sp>
+      <p:sp>
+        <p:nvSpPr>
+          <p:cNvPr id="5" name="ZoneTexte 4"/>
+          <p:cNvSpPr txBox="1"/>
+          <p:nvPr/>
+        </p:nvSpPr>
+        <p:spPr>
+          <a:xfrm>
+            <a:off x="8859948" y="4835723"/>
+            <a:ext cx="284052" cy="307777"/>
+          </a:xfrm>
+          <a:prstGeom prst="rect">
+            <a:avLst/>
+          </a:prstGeom>
+          <a:noFill/>
+        </p:spPr>
+        <p:txBody>
+          <a:bodyPr wrap="none" rtlCol="0">
+            <a:spAutoFit/>
+          </a:bodyPr>
+          <a:lstStyle/>
+          <a:p>
+            <a:r>
+              <a:rPr lang="fr-CH" dirty="0">
+                <a:solidFill>
+                  <a:schemeClr val="bg1"/>
+                </a:solidFill>
+              </a:rPr>
+              <a:t>3</a:t>
+            </a:r>
+            <a:endParaRPr lang="fr-CH" dirty="0">
+              <a:solidFill>
+                <a:schemeClr val="bg1"/>
+              </a:solidFill>
+            </a:endParaRPr>
+          </a:p>
+        </p:txBody>
+      </p:sp>
     </p:spTree>
     <p:extLst>
       <p:ext uri="{BB962C8B-B14F-4D97-AF65-F5344CB8AC3E}">
@@ -4490,6 +4604,44 @@
           </a:prstGeom>
         </p:spPr>
       </p:pic>
+      <p:sp>
+        <p:nvSpPr>
+          <p:cNvPr id="6" name="ZoneTexte 5"/>
+          <p:cNvSpPr txBox="1"/>
+          <p:nvPr/>
+        </p:nvSpPr>
+        <p:spPr>
+          <a:xfrm>
+            <a:off x="8859948" y="4835723"/>
+            <a:ext cx="284052" cy="307777"/>
+          </a:xfrm>
+          <a:prstGeom prst="rect">
+            <a:avLst/>
+          </a:prstGeom>
+          <a:noFill/>
+        </p:spPr>
+        <p:txBody>
+          <a:bodyPr wrap="none" rtlCol="0">
+            <a:spAutoFit/>
+          </a:bodyPr>
+          <a:lstStyle/>
+          <a:p>
+            <a:r>
+              <a:rPr lang="fr-CH" dirty="0">
+                <a:solidFill>
+                  <a:schemeClr val="bg1"/>
+                </a:solidFill>
+              </a:rPr>
+              <a:t>4</a:t>
+            </a:r>
+            <a:endParaRPr lang="fr-CH" dirty="0">
+              <a:solidFill>
+                <a:schemeClr val="bg1"/>
+              </a:solidFill>
+            </a:endParaRPr>
+          </a:p>
+        </p:txBody>
+      </p:sp>
     </p:spTree>
     <p:extLst>
       <p:ext uri="{BB962C8B-B14F-4D97-AF65-F5344CB8AC3E}">
@@ -4652,6 +4804,44 @@
           </a:p>
         </p:txBody>
       </p:sp>
+      <p:sp>
+        <p:nvSpPr>
+          <p:cNvPr id="4" name="ZoneTexte 3"/>
+          <p:cNvSpPr txBox="1"/>
+          <p:nvPr/>
+        </p:nvSpPr>
+        <p:spPr>
+          <a:xfrm>
+            <a:off x="8859948" y="4835723"/>
+            <a:ext cx="284052" cy="307777"/>
+          </a:xfrm>
+          <a:prstGeom prst="rect">
+            <a:avLst/>
+          </a:prstGeom>
+          <a:noFill/>
+        </p:spPr>
+        <p:txBody>
+          <a:bodyPr wrap="none" rtlCol="0">
+            <a:spAutoFit/>
+          </a:bodyPr>
+          <a:lstStyle/>
+          <a:p>
+            <a:r>
+              <a:rPr lang="fr-CH" dirty="0">
+                <a:solidFill>
+                  <a:schemeClr val="bg1"/>
+                </a:solidFill>
+              </a:rPr>
+              <a:t>5</a:t>
+            </a:r>
+            <a:endParaRPr lang="fr-CH" dirty="0">
+              <a:solidFill>
+                <a:schemeClr val="bg1"/>
+              </a:solidFill>
+            </a:endParaRPr>
+          </a:p>
+        </p:txBody>
+      </p:sp>
     </p:spTree>
     <p:extLst>
       <p:ext uri="{BB962C8B-B14F-4D97-AF65-F5344CB8AC3E}">
@@ -4788,6 +4978,44 @@
           </a:prstGeom>
         </p:spPr>
       </p:pic>
+      <p:sp>
+        <p:nvSpPr>
+          <p:cNvPr id="4" name="ZoneTexte 3"/>
+          <p:cNvSpPr txBox="1"/>
+          <p:nvPr/>
+        </p:nvSpPr>
+        <p:spPr>
+          <a:xfrm>
+            <a:off x="8859948" y="4835723"/>
+            <a:ext cx="284052" cy="307777"/>
+          </a:xfrm>
+          <a:prstGeom prst="rect">
+            <a:avLst/>
+          </a:prstGeom>
+          <a:noFill/>
+        </p:spPr>
+        <p:txBody>
+          <a:bodyPr wrap="none" rtlCol="0">
+            <a:spAutoFit/>
+          </a:bodyPr>
+          <a:lstStyle/>
+          <a:p>
+            <a:r>
+              <a:rPr lang="fr-CH" dirty="0">
+                <a:solidFill>
+                  <a:schemeClr val="bg1"/>
+                </a:solidFill>
+              </a:rPr>
+              <a:t>6</a:t>
+            </a:r>
+            <a:endParaRPr lang="fr-CH" dirty="0">
+              <a:solidFill>
+                <a:schemeClr val="bg1"/>
+              </a:solidFill>
+            </a:endParaRPr>
+          </a:p>
+        </p:txBody>
+      </p:sp>
     </p:spTree>
     <p:extLst>
       <p:ext uri="{BB962C8B-B14F-4D97-AF65-F5344CB8AC3E}">
@@ -4958,6 +5186,44 @@
           </a:prstGeom>
         </p:spPr>
       </p:pic>
+      <p:sp>
+        <p:nvSpPr>
+          <p:cNvPr id="5" name="ZoneTexte 4"/>
+          <p:cNvSpPr txBox="1"/>
+          <p:nvPr/>
+        </p:nvSpPr>
+        <p:spPr>
+          <a:xfrm>
+            <a:off x="8859948" y="4835723"/>
+            <a:ext cx="284052" cy="307777"/>
+          </a:xfrm>
+          <a:prstGeom prst="rect">
+            <a:avLst/>
+          </a:prstGeom>
+          <a:noFill/>
+        </p:spPr>
+        <p:txBody>
+          <a:bodyPr wrap="none" rtlCol="0">
+            <a:spAutoFit/>
+          </a:bodyPr>
+          <a:lstStyle/>
+          <a:p>
+            <a:r>
+              <a:rPr lang="fr-CH" dirty="0">
+                <a:solidFill>
+                  <a:schemeClr val="bg1"/>
+                </a:solidFill>
+              </a:rPr>
+              <a:t>7</a:t>
+            </a:r>
+            <a:endParaRPr lang="fr-CH" dirty="0">
+              <a:solidFill>
+                <a:schemeClr val="bg1"/>
+              </a:solidFill>
+            </a:endParaRPr>
+          </a:p>
+        </p:txBody>
+      </p:sp>
     </p:spTree>
     <p:extLst>
       <p:ext uri="{BB962C8B-B14F-4D97-AF65-F5344CB8AC3E}">
@@ -5033,6 +5299,44 @@
           </a:prstGeom>
         </p:spPr>
       </p:pic>
+      <p:sp>
+        <p:nvSpPr>
+          <p:cNvPr id="4" name="ZoneTexte 3"/>
+          <p:cNvSpPr txBox="1"/>
+          <p:nvPr/>
+        </p:nvSpPr>
+        <p:spPr>
+          <a:xfrm>
+            <a:off x="8859948" y="4835723"/>
+            <a:ext cx="284052" cy="307777"/>
+          </a:xfrm>
+          <a:prstGeom prst="rect">
+            <a:avLst/>
+          </a:prstGeom>
+          <a:noFill/>
+        </p:spPr>
+        <p:txBody>
+          <a:bodyPr wrap="none" rtlCol="0">
+            <a:spAutoFit/>
+          </a:bodyPr>
+          <a:lstStyle/>
+          <a:p>
+            <a:r>
+              <a:rPr lang="fr-CH" dirty="0" smtClean="0">
+                <a:solidFill>
+                  <a:schemeClr val="bg1"/>
+                </a:solidFill>
+              </a:rPr>
+              <a:t>8</a:t>
+            </a:r>
+            <a:endParaRPr lang="fr-CH" dirty="0">
+              <a:solidFill>
+                <a:schemeClr val="bg1"/>
+              </a:solidFill>
+            </a:endParaRPr>
+          </a:p>
+        </p:txBody>
+      </p:sp>
     </p:spTree>
     <p:extLst>
       <p:ext uri="{BB962C8B-B14F-4D97-AF65-F5344CB8AC3E}">
@@ -5043,11 +5347,11 @@
   <p:clrMapOvr>
     <a:masterClrMapping/>
   </p:clrMapOvr>
-  <mc:AlternateContent xmlns:mc="http://schemas.openxmlformats.org/markup-compatibility/2006">
-    <mc:Choice xmlns:p14="http://schemas.microsoft.com/office/powerpoint/2010/main" Requires="p14">
+  <mc:AlternateContent xmlns:mc="http://schemas.openxmlformats.org/markup-compatibility/2006" xmlns:p14="http://schemas.microsoft.com/office/powerpoint/2010/main">
+    <mc:Choice Requires="p14">
       <p:transition p14:dur="250"/>
     </mc:Choice>
-    <mc:Fallback>
+    <mc:Fallback xmlns="">
       <p:transition/>
     </mc:Fallback>
   </mc:AlternateContent>
